--- a/sumana/workshop.pptx
+++ b/sumana/workshop.pptx
@@ -202,7 +202,7 @@
           <a:p>
             <a:fld id="{6A993F36-3A10-4A51-BC92-D29A85E296ED}" type="datetimeFigureOut">
               <a:rPr lang="en-US" smtClean="0"/>
-              <a:t>4/18/2020</a:t>
+              <a:t>4/19/2020</a:t>
             </a:fld>
             <a:endParaRPr lang="en-US"/>
           </a:p>
@@ -1879,7 +1879,7 @@
           <a:p>
             <a:fld id="{85B5B14A-EDC7-4C4F-8E5F-F1CF920A9364}" type="datetime1">
               <a:rPr lang="en-US" smtClean="0"/>
-              <a:t>4/18/2020</a:t>
+              <a:t>4/19/2020</a:t>
             </a:fld>
             <a:endParaRPr lang="en-US" dirty="0"/>
           </a:p>
@@ -3337,7 +3337,7 @@
           <a:p>
             <a:fld id="{7B200BBB-5CCE-41B5-A061-1FDCBD2D6837}" type="datetime1">
               <a:rPr lang="en-US" smtClean="0"/>
-              <a:t>4/18/2020</a:t>
+              <a:t>4/19/2020</a:t>
             </a:fld>
             <a:endParaRPr lang="en-US" dirty="0"/>
           </a:p>
@@ -4789,7 +4789,7 @@
           <a:p>
             <a:fld id="{D44647D3-82E8-4D33-BA2A-C0EEF9ABF483}" type="datetime1">
               <a:rPr lang="en-US" smtClean="0"/>
-              <a:t>4/18/2020</a:t>
+              <a:t>4/19/2020</a:t>
             </a:fld>
             <a:endParaRPr lang="en-US" dirty="0"/>
           </a:p>
@@ -6243,7 +6243,7 @@
           <a:p>
             <a:fld id="{1FAD98A7-16B8-48E0-AFB1-2A78239DD1A7}" type="datetime1">
               <a:rPr lang="en-US" smtClean="0"/>
-              <a:t>4/18/2020</a:t>
+              <a:t>4/19/2020</a:t>
             </a:fld>
             <a:endParaRPr lang="en-US" dirty="0"/>
           </a:p>
@@ -7750,7 +7750,7 @@
           <a:p>
             <a:fld id="{18E68A2A-F486-42EB-91A4-7030BC295ABC}" type="datetime1">
               <a:rPr lang="en-US" smtClean="0"/>
-              <a:t>4/18/2020</a:t>
+              <a:t>4/19/2020</a:t>
             </a:fld>
             <a:endParaRPr lang="en-US" dirty="0"/>
           </a:p>
@@ -9270,7 +9270,7 @@
           <a:p>
             <a:fld id="{8943C7F6-C78F-432D-9D1C-BD20CC22B535}" type="datetime1">
               <a:rPr lang="en-US" smtClean="0"/>
-              <a:t>4/18/2020</a:t>
+              <a:t>4/19/2020</a:t>
             </a:fld>
             <a:endParaRPr lang="en-US" dirty="0"/>
           </a:p>
@@ -10934,7 +10934,7 @@
           <a:p>
             <a:fld id="{4AF3E658-9AFB-46CC-9DE8-ADFE170EBB85}" type="datetime1">
               <a:rPr lang="en-US" smtClean="0"/>
-              <a:t>4/18/2020</a:t>
+              <a:t>4/19/2020</a:t>
             </a:fld>
             <a:endParaRPr lang="en-US" dirty="0"/>
           </a:p>
@@ -12331,7 +12331,7 @@
           <a:p>
             <a:fld id="{2A3CE8BD-551F-482A-949F-A5361328E387}" type="datetime1">
               <a:rPr lang="en-US" smtClean="0"/>
-              <a:t>4/18/2020</a:t>
+              <a:t>4/19/2020</a:t>
             </a:fld>
             <a:endParaRPr lang="en-US" dirty="0"/>
           </a:p>
@@ -12430,7 +12430,7 @@
           <a:p>
             <a:fld id="{86A90E48-FCF5-482C-A560-2DACA4EAA59A}" type="datetime1">
               <a:rPr lang="en-US" smtClean="0"/>
-              <a:t>4/18/2020</a:t>
+              <a:t>4/19/2020</a:t>
             </a:fld>
             <a:endParaRPr lang="en-US" dirty="0"/>
           </a:p>
@@ -13955,7 +13955,7 @@
           <a:p>
             <a:fld id="{3A161885-5F91-4B38-BEF9-6EED9FBE63A0}" type="datetime1">
               <a:rPr lang="en-US" smtClean="0"/>
-              <a:t>4/18/2020</a:t>
+              <a:t>4/19/2020</a:t>
             </a:fld>
             <a:endParaRPr lang="en-US" dirty="0"/>
           </a:p>
@@ -15490,7 +15490,7 @@
           <a:p>
             <a:fld id="{DD6DC471-0093-46D6-BEDA-A4963B3CB494}" type="datetime1">
               <a:rPr lang="en-US" smtClean="0"/>
-              <a:t>4/18/2020</a:t>
+              <a:t>4/19/2020</a:t>
             </a:fld>
             <a:endParaRPr lang="en-US" dirty="0"/>
           </a:p>
@@ -15739,7 +15739,7 @@
           <a:p>
             <a:fld id="{925D4BAD-B5CC-45B0-BD39-683A8E522F86}" type="datetime1">
               <a:rPr lang="en-US" smtClean="0"/>
-              <a:t>4/18/2020</a:t>
+              <a:t>4/19/2020</a:t>
             </a:fld>
             <a:endParaRPr lang="en-US" dirty="0"/>
           </a:p>
@@ -16222,11 +16222,7 @@
             </a:br>
             <a:r>
               <a:rPr lang="en-US" sz="2700" dirty="0" smtClean="0"/>
-              <a:t>G</a:t>
-            </a:r>
-            <a:r>
-              <a:rPr lang="en-US" sz="2700" dirty="0" smtClean="0"/>
-              <a:t>roup - 05</a:t>
+              <a:t>Group - 05</a:t>
             </a:r>
             <a:r>
               <a:rPr lang="en-US" dirty="0" smtClean="0"/>
@@ -16237,11 +16233,7 @@
             </a:br>
             <a:r>
               <a:rPr lang="en-US" dirty="0" smtClean="0"/>
-              <a:t>Managing </a:t>
-            </a:r>
-            <a:r>
-              <a:rPr lang="en-US" dirty="0" smtClean="0"/>
-              <a:t>document collections with Atlas(cloud for MongoDB)</a:t>
+              <a:t>Managing document collections with Atlas(cloud for MongoDB)</a:t>
             </a:r>
             <a:endParaRPr lang="en-US" dirty="0"/>
           </a:p>
@@ -16421,13 +16413,8 @@
           <a:p>
             <a:r>
               <a:rPr lang="en-US" dirty="0" smtClean="0"/>
-              <a:t>Navya </a:t>
+              <a:t>Navya Devineni </a:t>
             </a:r>
-            <a:r>
-              <a:rPr lang="en-US" dirty="0" smtClean="0"/>
-              <a:t>Devineni </a:t>
-            </a:r>
-            <a:endParaRPr lang="en-US" dirty="0" smtClean="0"/>
           </a:p>
           <a:p>
             <a:endParaRPr lang="en-US" dirty="0"/>
